--- a/Open_Discussion.V9.pptx
+++ b/Open_Discussion.V9.pptx
@@ -16,6 +16,7 @@
     <p:sldId id="279" r:id="rId10"/>
     <p:sldId id="265" r:id="rId11"/>
     <p:sldId id="271" r:id="rId12"/>
+    <p:sldId id="280" r:id="rId13"/>
   </p:sldIdLst>
   <p:sldSz cx="12192000" cy="6858000"/>
   <p:notesSz cx="6858000" cy="9144000"/>
@@ -4211,7 +4212,7 @@
         </p:spPr>
         <p:txBody>
           <a:bodyPr>
-            <a:normAutofit/>
+            <a:normAutofit fontScale="90000"/>
           </a:bodyPr>
           <a:lstStyle/>
           <a:p>
@@ -4224,29 +4225,7 @@
                 <a:ea typeface="+mn-ea"/>
                 <a:cs typeface="+mn-cs"/>
               </a:rPr>
-              <a:t>Semantic </a:t>
-            </a:r>
-            <a:r>
-              <a:rPr lang="en-US" sz="3600" b="1" dirty="0">
-                <a:solidFill>
-                  <a:schemeClr val="tx1"/>
-                </a:solidFill>
-                <a:latin typeface="+mn-lt"/>
-                <a:ea typeface="+mn-ea"/>
-                <a:cs typeface="+mn-cs"/>
-              </a:rPr>
-              <a:t>Addressing </a:t>
-            </a:r>
-            <a:r>
-              <a:rPr lang="en-US" sz="3600" b="1" dirty="0" smtClean="0">
-                <a:solidFill>
-                  <a:schemeClr val="tx1"/>
-                </a:solidFill>
-                <a:latin typeface="+mn-lt"/>
-                <a:ea typeface="+mn-ea"/>
-                <a:cs typeface="+mn-cs"/>
-              </a:rPr>
-              <a:t>candidate Research </a:t>
+              <a:t>Multi-Semantic Addressing/Routing candidate Research </a:t>
             </a:r>
             <a:r>
               <a:rPr lang="en-US" sz="3600" b="1" dirty="0">
@@ -4458,110 +4437,126 @@
         <p:spPr/>
         <p:txBody>
           <a:bodyPr>
-            <a:normAutofit fontScale="92500" lnSpcReduction="10000"/>
+            <a:noAutofit/>
           </a:bodyPr>
           <a:lstStyle/>
           <a:p>
-            <a:r>
-              <a:rPr lang="en-US" dirty="0" smtClean="0"/>
+            <a:pPr marL="0" indent="0">
+              <a:buNone/>
+            </a:pPr>
+            <a:r>
+              <a:rPr lang="en-US" sz="2000" b="1" dirty="0"/>
+              <a:t>How to move this research forward </a:t>
+            </a:r>
+            <a:r>
+              <a:rPr lang="en-US" sz="2000" b="1" dirty="0" smtClean="0"/>
+              <a:t>in IRTF ?</a:t>
+            </a:r>
+            <a:endParaRPr lang="en-US" sz="2000" b="1" dirty="0"/>
+          </a:p>
+          <a:p>
+            <a:endParaRPr lang="en-US" sz="2000" dirty="0" smtClean="0"/>
+          </a:p>
+          <a:p>
+            <a:r>
+              <a:rPr lang="en-US" sz="2000" dirty="0" smtClean="0"/>
+              <a:t>Non-RG/WG </a:t>
+            </a:r>
+            <a:r>
+              <a:rPr lang="en-US" sz="2000" dirty="0"/>
+              <a:t>mailing list for further </a:t>
+            </a:r>
+            <a:r>
+              <a:rPr lang="en-US" sz="2000" dirty="0" smtClean="0"/>
+              <a:t>FIPE discussion </a:t>
+            </a:r>
+            <a:r>
+              <a:rPr lang="en-US" sz="2000" dirty="0"/>
+              <a:t>would help !</a:t>
+            </a:r>
+          </a:p>
+          <a:p>
+            <a:endParaRPr lang="en-US" sz="2000" dirty="0" smtClean="0"/>
+          </a:p>
+          <a:p>
+            <a:r>
+              <a:rPr lang="en-US" sz="2000" dirty="0" smtClean="0"/>
               <a:t>Research </a:t>
             </a:r>
             <a:r>
-              <a:rPr lang="en-US" dirty="0" smtClean="0"/>
+              <a:rPr lang="en-US" sz="2000" dirty="0" smtClean="0"/>
               <a:t>questions on </a:t>
             </a:r>
             <a:r>
-              <a:rPr lang="en-US" dirty="0"/>
+              <a:rPr lang="en-US" sz="2000" dirty="0"/>
               <a:t>multi-semantic addressing &amp; </a:t>
             </a:r>
             <a:r>
-              <a:rPr lang="en-US" dirty="0" smtClean="0"/>
-              <a:t>routing? </a:t>
-            </a:r>
-            <a:endParaRPr lang="en-US" dirty="0" smtClean="0"/>
-          </a:p>
-          <a:p>
-            <a:r>
-              <a:rPr lang="en-US" dirty="0" smtClean="0"/>
-              <a:t>…</a:t>
-            </a:r>
-            <a:r>
-              <a:rPr lang="en-US" dirty="0" smtClean="0"/>
-              <a:t>or any of the other </a:t>
-            </a:r>
-            <a:r>
-              <a:rPr lang="en-US" dirty="0" smtClean="0"/>
-              <a:t>areas?</a:t>
-            </a:r>
-            <a:endParaRPr lang="en-US" dirty="0" smtClean="0"/>
-          </a:p>
-          <a:p>
-            <a:pPr marL="0" indent="0" algn="ctr">
+              <a:rPr lang="en-US" sz="2000" dirty="0" smtClean="0"/>
+              <a:t>routing:</a:t>
+            </a:r>
+          </a:p>
+          <a:p>
+            <a:pPr lvl="1"/>
+            <a:r>
+              <a:rPr lang="en-US" sz="2000" dirty="0" smtClean="0">
+                <a:solidFill>
+                  <a:srgbClr val="C00000"/>
+                </a:solidFill>
+              </a:rPr>
+              <a:t>What is missing for a proposed RG (beyond refining Q’s into charter) </a:t>
+            </a:r>
+            <a:r>
+              <a:rPr lang="en-US" sz="2000" dirty="0" smtClean="0">
+                <a:solidFill>
+                  <a:srgbClr val="C00000"/>
+                </a:solidFill>
+              </a:rPr>
+              <a:t>? </a:t>
+            </a:r>
+          </a:p>
+          <a:p>
+            <a:pPr lvl="1"/>
+            <a:r>
+              <a:rPr lang="en-US" sz="2000" dirty="0" smtClean="0">
+                <a:solidFill>
+                  <a:srgbClr val="C00000"/>
+                </a:solidFill>
+              </a:rPr>
+              <a:t>Happy to put more thoughts specific on the subject into starting point drafts!</a:t>
+            </a:r>
+            <a:endParaRPr lang="en-US" sz="2000" dirty="0" smtClean="0"/>
+          </a:p>
+          <a:p>
+            <a:endParaRPr lang="en-US" sz="2000" dirty="0" smtClean="0"/>
+          </a:p>
+          <a:p>
+            <a:r>
+              <a:rPr lang="en-US" sz="2000" dirty="0" smtClean="0"/>
+              <a:t>Continue to) investigate more interest in </a:t>
+            </a:r>
+            <a:r>
+              <a:rPr lang="en-US" sz="2000" dirty="0" smtClean="0"/>
+              <a:t>any </a:t>
+            </a:r>
+            <a:r>
+              <a:rPr lang="en-US" sz="2000" dirty="0" smtClean="0"/>
+              <a:t>of the other </a:t>
+            </a:r>
+            <a:r>
+              <a:rPr lang="en-US" sz="2000" dirty="0" smtClean="0"/>
+              <a:t>areas ?</a:t>
+            </a:r>
+            <a:endParaRPr lang="en-US" sz="2000" dirty="0" smtClean="0"/>
+          </a:p>
+          <a:p>
+            <a:pPr marL="0" indent="0">
               <a:buNone/>
             </a:pPr>
-            <a:endParaRPr lang="en-US" sz="3200" b="1" dirty="0" smtClean="0"/>
-          </a:p>
-          <a:p>
-            <a:pPr marL="0" indent="0" algn="ctr">
-              <a:buNone/>
-            </a:pPr>
-            <a:r>
-              <a:rPr lang="en-US" sz="3200" b="1" dirty="0" smtClean="0"/>
-              <a:t>How to move this research </a:t>
-            </a:r>
-            <a:r>
-              <a:rPr lang="en-US" sz="3200" b="1" dirty="0" smtClean="0"/>
-              <a:t>forward ?</a:t>
-            </a:r>
-            <a:endParaRPr lang="en-US" sz="3200" b="1" dirty="0"/>
-          </a:p>
-          <a:p>
-            <a:pPr marL="0" indent="0">
-              <a:buNone/>
-            </a:pPr>
-            <a:endParaRPr lang="en-US" dirty="0"/>
-          </a:p>
-          <a:p>
-            <a:r>
-              <a:rPr lang="en-US" dirty="0"/>
-              <a:t>Are they relevant to the Internet or the Internet Protocol?</a:t>
-            </a:r>
-          </a:p>
-          <a:p>
-            <a:pPr lvl="1"/>
-            <a:r>
-              <a:rPr lang="en-US" altLang="zh-CN" dirty="0"/>
-              <a:t>IETF (existing or new WG) and/or IRTF (existing or new RG)?</a:t>
-            </a:r>
-          </a:p>
-          <a:p>
-            <a:pPr lvl="1"/>
-            <a:r>
-              <a:rPr lang="en-US" dirty="0"/>
-              <a:t>Scope border with work that already done in IETF/IRTF</a:t>
-            </a:r>
-            <a:r>
-              <a:rPr lang="en-US" dirty="0" smtClean="0"/>
-              <a:t>?</a:t>
-            </a:r>
-          </a:p>
-          <a:p>
-            <a:endParaRPr lang="en-US" dirty="0" smtClean="0"/>
-          </a:p>
-          <a:p>
-            <a:r>
-              <a:rPr lang="en-US" dirty="0" smtClean="0"/>
-              <a:t>Non-RG/WG mailing </a:t>
-            </a:r>
-            <a:r>
-              <a:rPr lang="en-US" dirty="0" smtClean="0"/>
-              <a:t>list for further discussion </a:t>
-            </a:r>
-            <a:r>
-              <a:rPr lang="en-US" dirty="0" smtClean="0"/>
-              <a:t>would help !</a:t>
-            </a:r>
-            <a:endParaRPr lang="en-US" dirty="0"/>
+            <a:endParaRPr lang="en-US" sz="2000" dirty="0"/>
+          </a:p>
+          <a:p>
+            <a:endParaRPr lang="en-US" sz="2000" dirty="0" smtClean="0"/>
           </a:p>
         </p:txBody>
       </p:sp>
@@ -4569,6 +4564,200 @@
     <p:extLst>
       <p:ext uri="{BB962C8B-B14F-4D97-AF65-F5344CB8AC3E}">
         <p14:creationId xmlns:p14="http://schemas.microsoft.com/office/powerpoint/2010/main" val="40462980"/>
+      </p:ext>
+    </p:extLst>
+  </p:cSld>
+  <p:clrMapOvr>
+    <a:masterClrMapping/>
+  </p:clrMapOvr>
+  <p:timing>
+    <p:tnLst>
+      <p:par>
+        <p:cTn id="1" dur="indefinite" restart="never" nodeType="tmRoot"/>
+      </p:par>
+    </p:tnLst>
+  </p:timing>
+</p:sld>
+</file>
+
+<file path=ppt/slides/slide12.xml><?xml version="1.0" encoding="utf-8"?>
+<p:sld xmlns:a="http://schemas.openxmlformats.org/drawingml/2006/main" xmlns:r="http://schemas.openxmlformats.org/officeDocument/2006/relationships" xmlns:p="http://schemas.openxmlformats.org/presentationml/2006/main">
+  <p:cSld>
+    <p:spTree>
+      <p:nvGrpSpPr>
+        <p:cNvPr id="1" name=""/>
+        <p:cNvGrpSpPr/>
+        <p:nvPr/>
+      </p:nvGrpSpPr>
+      <p:grpSpPr>
+        <a:xfrm>
+          <a:off x="0" y="0"/>
+          <a:ext cx="0" cy="0"/>
+          <a:chOff x="0" y="0"/>
+          <a:chExt cx="0" cy="0"/>
+        </a:xfrm>
+      </p:grpSpPr>
+      <p:sp>
+        <p:nvSpPr>
+          <p:cNvPr id="2" name="Title 1"/>
+          <p:cNvSpPr>
+            <a:spLocks noGrp="1"/>
+          </p:cNvSpPr>
+          <p:nvPr>
+            <p:ph type="title"/>
+          </p:nvPr>
+        </p:nvSpPr>
+        <p:spPr/>
+        <p:txBody>
+          <a:bodyPr>
+            <a:normAutofit/>
+          </a:bodyPr>
+          <a:lstStyle/>
+          <a:p>
+            <a:r>
+              <a:rPr lang="en-US" dirty="0" smtClean="0"/>
+              <a:t>FIPE </a:t>
+            </a:r>
+            <a:r>
+              <a:rPr lang="en-US" dirty="0"/>
+              <a:t>@ </a:t>
+            </a:r>
+            <a:r>
+              <a:rPr lang="en-US" dirty="0" smtClean="0"/>
+              <a:t>IETF109</a:t>
+            </a:r>
+            <a:endParaRPr lang="en-US" sz="2200" dirty="0">
+              <a:solidFill>
+                <a:srgbClr val="FF0000"/>
+              </a:solidFill>
+            </a:endParaRPr>
+          </a:p>
+        </p:txBody>
+      </p:sp>
+      <p:sp>
+        <p:nvSpPr>
+          <p:cNvPr id="3" name="Content Placeholder 2"/>
+          <p:cNvSpPr>
+            <a:spLocks noGrp="1"/>
+          </p:cNvSpPr>
+          <p:nvPr>
+            <p:ph idx="1"/>
+          </p:nvPr>
+        </p:nvSpPr>
+        <p:spPr/>
+        <p:txBody>
+          <a:bodyPr>
+            <a:normAutofit fontScale="92500" lnSpcReduction="10000"/>
+          </a:bodyPr>
+          <a:lstStyle/>
+          <a:p>
+            <a:r>
+              <a:rPr lang="en-US" dirty="0" smtClean="0"/>
+              <a:t>Research </a:t>
+            </a:r>
+            <a:r>
+              <a:rPr lang="en-US" dirty="0" smtClean="0"/>
+              <a:t>questions on </a:t>
+            </a:r>
+            <a:r>
+              <a:rPr lang="en-US" dirty="0"/>
+              <a:t>multi-semantic addressing &amp; </a:t>
+            </a:r>
+            <a:r>
+              <a:rPr lang="en-US" dirty="0" smtClean="0"/>
+              <a:t>routing? </a:t>
+            </a:r>
+            <a:endParaRPr lang="en-US" dirty="0" smtClean="0"/>
+          </a:p>
+          <a:p>
+            <a:r>
+              <a:rPr lang="en-US" dirty="0" smtClean="0"/>
+              <a:t>…</a:t>
+            </a:r>
+            <a:r>
+              <a:rPr lang="en-US" dirty="0" smtClean="0"/>
+              <a:t>or any of the other </a:t>
+            </a:r>
+            <a:r>
+              <a:rPr lang="en-US" dirty="0" smtClean="0"/>
+              <a:t>areas?</a:t>
+            </a:r>
+            <a:endParaRPr lang="en-US" dirty="0" smtClean="0"/>
+          </a:p>
+          <a:p>
+            <a:pPr marL="0" indent="0" algn="ctr">
+              <a:buNone/>
+            </a:pPr>
+            <a:endParaRPr lang="en-US" sz="3200" b="1" dirty="0" smtClean="0"/>
+          </a:p>
+          <a:p>
+            <a:pPr marL="0" indent="0" algn="ctr">
+              <a:buNone/>
+            </a:pPr>
+            <a:r>
+              <a:rPr lang="en-US" sz="3200" b="1" dirty="0" smtClean="0"/>
+              <a:t>How to move this research </a:t>
+            </a:r>
+            <a:r>
+              <a:rPr lang="en-US" sz="3200" b="1" dirty="0" smtClean="0"/>
+              <a:t>forward ?</a:t>
+            </a:r>
+            <a:endParaRPr lang="en-US" sz="3200" b="1" dirty="0"/>
+          </a:p>
+          <a:p>
+            <a:pPr marL="0" indent="0">
+              <a:buNone/>
+            </a:pPr>
+            <a:endParaRPr lang="en-US" dirty="0"/>
+          </a:p>
+          <a:p>
+            <a:r>
+              <a:rPr lang="en-US" dirty="0"/>
+              <a:t>Are they relevant to the Internet or the Internet Protocol?</a:t>
+            </a:r>
+          </a:p>
+          <a:p>
+            <a:pPr lvl="1"/>
+            <a:r>
+              <a:rPr lang="en-US" altLang="zh-CN" dirty="0"/>
+              <a:t>IETF (existing or new WG) and/or IRTF (existing or new RG)?</a:t>
+            </a:r>
+          </a:p>
+          <a:p>
+            <a:pPr lvl="1"/>
+            <a:r>
+              <a:rPr lang="en-US" dirty="0"/>
+              <a:t>Scope border with work that already done in IETF/IRTF</a:t>
+            </a:r>
+            <a:r>
+              <a:rPr lang="en-US" dirty="0" smtClean="0"/>
+              <a:t>?</a:t>
+            </a:r>
+          </a:p>
+          <a:p>
+            <a:endParaRPr lang="en-US" dirty="0" smtClean="0"/>
+          </a:p>
+          <a:p>
+            <a:r>
+              <a:rPr lang="en-US" dirty="0" smtClean="0"/>
+              <a:t>Non-RG/WG mailing </a:t>
+            </a:r>
+            <a:r>
+              <a:rPr lang="en-US" dirty="0" smtClean="0"/>
+              <a:t>list for further discussion </a:t>
+            </a:r>
+            <a:r>
+              <a:rPr lang="en-US" dirty="0" smtClean="0"/>
+              <a:t>would help !</a:t>
+            </a:r>
+            <a:endParaRPr lang="en-US" dirty="0"/>
+          </a:p>
+        </p:txBody>
+      </p:sp>
+    </p:spTree>
+    <p:extLst>
+      <p:ext uri="{BB962C8B-B14F-4D97-AF65-F5344CB8AC3E}">
+        <p14:creationId xmlns:p14="http://schemas.microsoft.com/office/powerpoint/2010/main" val="1468046275"/>
       </p:ext>
     </p:extLst>
   </p:cSld>
